--- a/시스템구성도.pptx
+++ b/시스템구성도.pptx
@@ -288,7 +288,8 @@
           <a:p>
             <a:fld id="{46711E36-0824-43CB-85F2-DA47F386EFAB}" type="datetimeFigureOut">
               <a:rPr lang="ko-KR" altLang="en-US" smtClean="0"/>
-              <a:t>2023-06-06</a:t>
+              <a:pPr/>
+              <a:t>2023-06-07</a:t>
             </a:fld>
             <a:endParaRPr lang="ko-KR" altLang="en-US"/>
           </a:p>
@@ -330,6 +331,7 @@
           <a:p>
             <a:fld id="{25D85796-9EC2-4EBE-86A9-8FBC7203BF6A}" type="slidenum">
               <a:rPr lang="ko-KR" altLang="en-US" smtClean="0"/>
+              <a:pPr/>
               <a:t>‹#›</a:t>
             </a:fld>
             <a:endParaRPr lang="ko-KR" altLang="en-US"/>
@@ -453,7 +455,8 @@
           <a:p>
             <a:fld id="{46711E36-0824-43CB-85F2-DA47F386EFAB}" type="datetimeFigureOut">
               <a:rPr lang="ko-KR" altLang="en-US" smtClean="0"/>
-              <a:t>2023-06-06</a:t>
+              <a:pPr/>
+              <a:t>2023-06-07</a:t>
             </a:fld>
             <a:endParaRPr lang="ko-KR" altLang="en-US"/>
           </a:p>
@@ -495,6 +498,7 @@
           <a:p>
             <a:fld id="{25D85796-9EC2-4EBE-86A9-8FBC7203BF6A}" type="slidenum">
               <a:rPr lang="ko-KR" altLang="en-US" smtClean="0"/>
+              <a:pPr/>
               <a:t>‹#›</a:t>
             </a:fld>
             <a:endParaRPr lang="ko-KR" altLang="en-US"/>
@@ -628,7 +632,8 @@
           <a:p>
             <a:fld id="{46711E36-0824-43CB-85F2-DA47F386EFAB}" type="datetimeFigureOut">
               <a:rPr lang="ko-KR" altLang="en-US" smtClean="0"/>
-              <a:t>2023-06-06</a:t>
+              <a:pPr/>
+              <a:t>2023-06-07</a:t>
             </a:fld>
             <a:endParaRPr lang="ko-KR" altLang="en-US"/>
           </a:p>
@@ -670,6 +675,7 @@
           <a:p>
             <a:fld id="{25D85796-9EC2-4EBE-86A9-8FBC7203BF6A}" type="slidenum">
               <a:rPr lang="ko-KR" altLang="en-US" smtClean="0"/>
+              <a:pPr/>
               <a:t>‹#›</a:t>
             </a:fld>
             <a:endParaRPr lang="ko-KR" altLang="en-US"/>
@@ -793,7 +799,8 @@
           <a:p>
             <a:fld id="{46711E36-0824-43CB-85F2-DA47F386EFAB}" type="datetimeFigureOut">
               <a:rPr lang="ko-KR" altLang="en-US" smtClean="0"/>
-              <a:t>2023-06-06</a:t>
+              <a:pPr/>
+              <a:t>2023-06-07</a:t>
             </a:fld>
             <a:endParaRPr lang="ko-KR" altLang="en-US"/>
           </a:p>
@@ -835,6 +842,7 @@
           <a:p>
             <a:fld id="{25D85796-9EC2-4EBE-86A9-8FBC7203BF6A}" type="slidenum">
               <a:rPr lang="ko-KR" altLang="en-US" smtClean="0"/>
+              <a:pPr/>
               <a:t>‹#›</a:t>
             </a:fld>
             <a:endParaRPr lang="ko-KR" altLang="en-US"/>
@@ -1034,7 +1042,8 @@
           <a:p>
             <a:fld id="{46711E36-0824-43CB-85F2-DA47F386EFAB}" type="datetimeFigureOut">
               <a:rPr lang="ko-KR" altLang="en-US" smtClean="0"/>
-              <a:t>2023-06-06</a:t>
+              <a:pPr/>
+              <a:t>2023-06-07</a:t>
             </a:fld>
             <a:endParaRPr lang="ko-KR" altLang="en-US"/>
           </a:p>
@@ -1076,6 +1085,7 @@
           <a:p>
             <a:fld id="{25D85796-9EC2-4EBE-86A9-8FBC7203BF6A}" type="slidenum">
               <a:rPr lang="ko-KR" altLang="en-US" smtClean="0"/>
+              <a:pPr/>
               <a:t>‹#›</a:t>
             </a:fld>
             <a:endParaRPr lang="ko-KR" altLang="en-US"/>
@@ -1317,7 +1327,8 @@
           <a:p>
             <a:fld id="{46711E36-0824-43CB-85F2-DA47F386EFAB}" type="datetimeFigureOut">
               <a:rPr lang="ko-KR" altLang="en-US" smtClean="0"/>
-              <a:t>2023-06-06</a:t>
+              <a:pPr/>
+              <a:t>2023-06-07</a:t>
             </a:fld>
             <a:endParaRPr lang="ko-KR" altLang="en-US"/>
           </a:p>
@@ -1359,6 +1370,7 @@
           <a:p>
             <a:fld id="{25D85796-9EC2-4EBE-86A9-8FBC7203BF6A}" type="slidenum">
               <a:rPr lang="ko-KR" altLang="en-US" smtClean="0"/>
+              <a:pPr/>
               <a:t>‹#›</a:t>
             </a:fld>
             <a:endParaRPr lang="ko-KR" altLang="en-US"/>
@@ -1734,7 +1746,8 @@
           <a:p>
             <a:fld id="{46711E36-0824-43CB-85F2-DA47F386EFAB}" type="datetimeFigureOut">
               <a:rPr lang="ko-KR" altLang="en-US" smtClean="0"/>
-              <a:t>2023-06-06</a:t>
+              <a:pPr/>
+              <a:t>2023-06-07</a:t>
             </a:fld>
             <a:endParaRPr lang="ko-KR" altLang="en-US"/>
           </a:p>
@@ -1776,6 +1789,7 @@
           <a:p>
             <a:fld id="{25D85796-9EC2-4EBE-86A9-8FBC7203BF6A}" type="slidenum">
               <a:rPr lang="ko-KR" altLang="en-US" smtClean="0"/>
+              <a:pPr/>
               <a:t>‹#›</a:t>
             </a:fld>
             <a:endParaRPr lang="ko-KR" altLang="en-US"/>
@@ -1847,7 +1861,8 @@
           <a:p>
             <a:fld id="{46711E36-0824-43CB-85F2-DA47F386EFAB}" type="datetimeFigureOut">
               <a:rPr lang="ko-KR" altLang="en-US" smtClean="0"/>
-              <a:t>2023-06-06</a:t>
+              <a:pPr/>
+              <a:t>2023-06-07</a:t>
             </a:fld>
             <a:endParaRPr lang="ko-KR" altLang="en-US"/>
           </a:p>
@@ -1889,6 +1904,7 @@
           <a:p>
             <a:fld id="{25D85796-9EC2-4EBE-86A9-8FBC7203BF6A}" type="slidenum">
               <a:rPr lang="ko-KR" altLang="en-US" smtClean="0"/>
+              <a:pPr/>
               <a:t>‹#›</a:t>
             </a:fld>
             <a:endParaRPr lang="ko-KR" altLang="en-US"/>
@@ -1937,7 +1953,8 @@
           <a:p>
             <a:fld id="{46711E36-0824-43CB-85F2-DA47F386EFAB}" type="datetimeFigureOut">
               <a:rPr lang="ko-KR" altLang="en-US" smtClean="0"/>
-              <a:t>2023-06-06</a:t>
+              <a:pPr/>
+              <a:t>2023-06-07</a:t>
             </a:fld>
             <a:endParaRPr lang="ko-KR" altLang="en-US"/>
           </a:p>
@@ -1979,6 +1996,7 @@
           <a:p>
             <a:fld id="{25D85796-9EC2-4EBE-86A9-8FBC7203BF6A}" type="slidenum">
               <a:rPr lang="ko-KR" altLang="en-US" smtClean="0"/>
+              <a:pPr/>
               <a:t>‹#›</a:t>
             </a:fld>
             <a:endParaRPr lang="ko-KR" altLang="en-US"/>
@@ -2209,7 +2227,8 @@
           <a:p>
             <a:fld id="{46711E36-0824-43CB-85F2-DA47F386EFAB}" type="datetimeFigureOut">
               <a:rPr lang="ko-KR" altLang="en-US" smtClean="0"/>
-              <a:t>2023-06-06</a:t>
+              <a:pPr/>
+              <a:t>2023-06-07</a:t>
             </a:fld>
             <a:endParaRPr lang="ko-KR" altLang="en-US"/>
           </a:p>
@@ -2251,6 +2270,7 @@
           <a:p>
             <a:fld id="{25D85796-9EC2-4EBE-86A9-8FBC7203BF6A}" type="slidenum">
               <a:rPr lang="ko-KR" altLang="en-US" smtClean="0"/>
+              <a:pPr/>
               <a:t>‹#›</a:t>
             </a:fld>
             <a:endParaRPr lang="ko-KR" altLang="en-US"/>
@@ -2457,7 +2477,8 @@
           <a:p>
             <a:fld id="{46711E36-0824-43CB-85F2-DA47F386EFAB}" type="datetimeFigureOut">
               <a:rPr lang="ko-KR" altLang="en-US" smtClean="0"/>
-              <a:t>2023-06-06</a:t>
+              <a:pPr/>
+              <a:t>2023-06-07</a:t>
             </a:fld>
             <a:endParaRPr lang="ko-KR" altLang="en-US"/>
           </a:p>
@@ -2499,6 +2520,7 @@
           <a:p>
             <a:fld id="{25D85796-9EC2-4EBE-86A9-8FBC7203BF6A}" type="slidenum">
               <a:rPr lang="ko-KR" altLang="en-US" smtClean="0"/>
+              <a:pPr/>
               <a:t>‹#›</a:t>
             </a:fld>
             <a:endParaRPr lang="ko-KR" altLang="en-US"/>
@@ -2665,7 +2687,8 @@
           <a:p>
             <a:fld id="{46711E36-0824-43CB-85F2-DA47F386EFAB}" type="datetimeFigureOut">
               <a:rPr lang="ko-KR" altLang="en-US" smtClean="0"/>
-              <a:t>2023-06-06</a:t>
+              <a:pPr/>
+              <a:t>2023-06-07</a:t>
             </a:fld>
             <a:endParaRPr lang="ko-KR" altLang="en-US"/>
           </a:p>
@@ -2743,6 +2766,7 @@
           <a:p>
             <a:fld id="{25D85796-9EC2-4EBE-86A9-8FBC7203BF6A}" type="slidenum">
               <a:rPr lang="ko-KR" altLang="en-US" smtClean="0"/>
+              <a:pPr/>
               <a:t>‹#›</a:t>
             </a:fld>
             <a:endParaRPr lang="ko-KR" altLang="en-US"/>
@@ -3760,20 +3784,12 @@
           <a:p>
             <a:pPr algn="ctr"/>
             <a:r>
-              <a:rPr lang="en-US" altLang="ko-KR" sz="800" b="1" dirty="0">
+              <a:rPr lang="en-US" altLang="ko-KR" sz="800" b="1" dirty="0" err="1" smtClean="0">
                 <a:solidFill>
                   <a:schemeClr val="accent2"/>
                 </a:solidFill>
               </a:rPr>
-              <a:t>Elemental </a:t>
-            </a:r>
-            <a:r>
-              <a:rPr lang="en-US" altLang="ko-KR" sz="800" b="1" dirty="0" err="1">
-                <a:solidFill>
-                  <a:schemeClr val="accent2"/>
-                </a:solidFill>
-              </a:rPr>
-              <a:t>MediaLive</a:t>
+              <a:t>Nginx-ptmp</a:t>
             </a:r>
             <a:endParaRPr lang="en-US" altLang="ko-KR" sz="800" b="1" dirty="0">
               <a:solidFill>
@@ -3941,7 +3957,7 @@
         <p:spPr>
           <a:xfrm>
             <a:off x="6507756" y="4167248"/>
-            <a:ext cx="1367682" cy="338554"/>
+            <a:ext cx="1632178" cy="338554"/>
           </a:xfrm>
           <a:prstGeom prst="rect">
             <a:avLst/>
@@ -3974,7 +3990,15 @@
             </a:r>
             <a:r>
               <a:rPr lang="en-US" altLang="ko-KR" sz="800" dirty="0" smtClean="0"/>
-              <a:t>, Bootstrap, SQL</a:t>
+              <a:t>, Bootstrap, </a:t>
+            </a:r>
+            <a:r>
+              <a:rPr lang="en-US" altLang="ko-KR" sz="800" dirty="0" err="1" smtClean="0"/>
+              <a:t>Django</a:t>
+            </a:r>
+            <a:r>
+              <a:rPr lang="en-US" altLang="ko-KR" sz="800" dirty="0" smtClean="0"/>
+              <a:t>, SQL</a:t>
             </a:r>
             <a:endParaRPr lang="ko-KR" altLang="en-US" sz="800" dirty="0"/>
           </a:p>
@@ -4148,11 +4172,7 @@
             </a:r>
             <a:r>
               <a:rPr lang="ko-KR" altLang="en-US" sz="800" dirty="0" smtClean="0"/>
-              <a:t> </a:t>
-            </a:r>
-            <a:r>
-              <a:rPr lang="ko-KR" altLang="en-US" sz="800" dirty="0" smtClean="0"/>
-              <a:t>생</a:t>
+              <a:t> 생</a:t>
             </a:r>
             <a:r>
               <a:rPr lang="ko-KR" altLang="en-US" sz="800" dirty="0"/>
@@ -4224,11 +4244,7 @@
           <a:p>
             <a:r>
               <a:rPr lang="en-US" altLang="ko-KR" sz="800" dirty="0" smtClean="0"/>
-              <a:t>Publish </a:t>
-            </a:r>
-            <a:r>
-              <a:rPr lang="en-US" altLang="ko-KR" sz="800" dirty="0" smtClean="0"/>
-              <a:t>:</a:t>
+              <a:t>Publish :</a:t>
             </a:r>
             <a:r>
               <a:rPr lang="ko-KR" altLang="en-US" sz="800" dirty="0" err="1" smtClean="0"/>
@@ -4341,7 +4357,7 @@
         <p:spPr>
           <a:xfrm>
             <a:off x="4362032" y="746536"/>
-            <a:ext cx="570008" cy="230832"/>
+            <a:ext cx="930048" cy="230832"/>
           </a:xfrm>
           <a:prstGeom prst="rect">
             <a:avLst/>
@@ -4360,7 +4376,7 @@
                   <a:schemeClr val="tx2"/>
                 </a:solidFill>
               </a:rPr>
-              <a:t>Flutter?</a:t>
+              <a:t>Mobile web</a:t>
             </a:r>
             <a:endParaRPr lang="ko-KR" altLang="en-US" sz="900" dirty="0">
               <a:solidFill>
@@ -5130,8 +5146,8 @@
         </p:nvSpPr>
         <p:spPr>
           <a:xfrm>
-            <a:off x="2895115" y="5373216"/>
-            <a:ext cx="668773" cy="215444"/>
+            <a:off x="2267744" y="5373796"/>
+            <a:ext cx="1023037" cy="215444"/>
           </a:xfrm>
           <a:prstGeom prst="rect">
             <a:avLst/>
@@ -5146,7 +5162,11 @@
           <a:p>
             <a:r>
               <a:rPr lang="en-US" altLang="ko-KR" sz="800" dirty="0" smtClean="0"/>
-              <a:t>Up stream</a:t>
+              <a:t>Up </a:t>
+            </a:r>
+            <a:r>
+              <a:rPr lang="en-US" altLang="ko-KR" sz="800" dirty="0" err="1" smtClean="0"/>
+              <a:t>stream:ffmpeg</a:t>
             </a:r>
             <a:endParaRPr lang="ko-KR" altLang="en-US" sz="800" dirty="0"/>
           </a:p>
@@ -5330,7 +5350,23 @@
                     <a:srgbClr val="FFFF00"/>
                   </a:solidFill>
                 </a:rPr>
-                <a:t>(node.js)</a:t>
+                <a:t>(</a:t>
+              </a:r>
+              <a:r>
+                <a:rPr lang="en-US" altLang="ko-KR" sz="800" dirty="0" err="1" smtClean="0">
+                  <a:solidFill>
+                    <a:srgbClr val="FFFF00"/>
+                  </a:solidFill>
+                </a:rPr>
+                <a:t>Nginx</a:t>
+              </a:r>
+              <a:r>
+                <a:rPr lang="en-US" altLang="ko-KR" sz="800" dirty="0" smtClean="0">
+                  <a:solidFill>
+                    <a:srgbClr val="FFFF00"/>
+                  </a:solidFill>
+                </a:rPr>
+                <a:t>)</a:t>
               </a:r>
               <a:endParaRPr lang="ko-KR" altLang="en-US" sz="800" dirty="0">
                 <a:solidFill>
@@ -5406,8 +5442,8 @@
         </p:nvCxnSpPr>
         <p:spPr>
           <a:xfrm rot="5400000" flipH="1" flipV="1">
-            <a:off x="6612795" y="4290359"/>
-            <a:ext cx="363358" cy="794245"/>
+            <a:off x="6678919" y="4224235"/>
+            <a:ext cx="363358" cy="926493"/>
           </a:xfrm>
           <a:prstGeom prst="curvedConnector3">
             <a:avLst>
@@ -5573,6 +5609,36 @@
           </a:bodyPr>
           <a:lstStyle/>
           <a:p>
+            <a:endParaRPr lang="ko-KR" altLang="en-US" sz="800" dirty="0"/>
+          </a:p>
+        </p:txBody>
+      </p:sp>
+      <p:sp>
+        <p:nvSpPr>
+          <p:cNvPr id="77" name="TextBox 76"/>
+          <p:cNvSpPr txBox="1"/>
+          <p:nvPr/>
+        </p:nvSpPr>
+        <p:spPr>
+          <a:xfrm>
+            <a:off x="2771800" y="5517232"/>
+            <a:ext cx="455574" cy="215444"/>
+          </a:xfrm>
+          <a:prstGeom prst="rect">
+            <a:avLst/>
+          </a:prstGeom>
+          <a:noFill/>
+        </p:spPr>
+        <p:txBody>
+          <a:bodyPr wrap="none" rtlCol="0">
+            <a:spAutoFit/>
+          </a:bodyPr>
+          <a:lstStyle/>
+          <a:p>
+            <a:r>
+              <a:rPr lang="en-US" altLang="ko-KR" sz="800" dirty="0" smtClean="0"/>
+              <a:t>RTMP</a:t>
+            </a:r>
             <a:endParaRPr lang="ko-KR" altLang="en-US" sz="800" dirty="0"/>
           </a:p>
         </p:txBody>
